--- a/analyses/benchmarking/Figures/connectivity_revised_v1.pptx
+++ b/analyses/benchmarking/Figures/connectivity_revised_v1.pptx
@@ -208,7 +208,7 @@
           <a:p>
             <a:fld id="{A7A3F7B9-212E-D04D-B6AD-74F1271D4D0F}" type="datetimeFigureOut">
               <a:rPr lang="en-US" smtClean="0"/>
-              <a:t>11/26/18</a:t>
+              <a:t>12/13/18</a:t>
             </a:fld>
             <a:endParaRPr lang="en-US"/>
           </a:p>
@@ -606,7 +606,7 @@
           <a:p>
             <a:fld id="{93E1D4DC-B837-664D-AE6B-C6841DC5E297}" type="datetimeFigureOut">
               <a:rPr lang="en-US" smtClean="0"/>
-              <a:t>11/26/18</a:t>
+              <a:t>12/13/18</a:t>
             </a:fld>
             <a:endParaRPr lang="en-US"/>
           </a:p>
@@ -776,7 +776,7 @@
           <a:p>
             <a:fld id="{93E1D4DC-B837-664D-AE6B-C6841DC5E297}" type="datetimeFigureOut">
               <a:rPr lang="en-US" smtClean="0"/>
-              <a:t>11/26/18</a:t>
+              <a:t>12/13/18</a:t>
             </a:fld>
             <a:endParaRPr lang="en-US"/>
           </a:p>
@@ -956,7 +956,7 @@
           <a:p>
             <a:fld id="{93E1D4DC-B837-664D-AE6B-C6841DC5E297}" type="datetimeFigureOut">
               <a:rPr lang="en-US" smtClean="0"/>
-              <a:t>11/26/18</a:t>
+              <a:t>12/13/18</a:t>
             </a:fld>
             <a:endParaRPr lang="en-US"/>
           </a:p>
@@ -1126,7 +1126,7 @@
           <a:p>
             <a:fld id="{93E1D4DC-B837-664D-AE6B-C6841DC5E297}" type="datetimeFigureOut">
               <a:rPr lang="en-US" smtClean="0"/>
-              <a:t>11/26/18</a:t>
+              <a:t>12/13/18</a:t>
             </a:fld>
             <a:endParaRPr lang="en-US"/>
           </a:p>
@@ -1370,7 +1370,7 @@
           <a:p>
             <a:fld id="{93E1D4DC-B837-664D-AE6B-C6841DC5E297}" type="datetimeFigureOut">
               <a:rPr lang="en-US" smtClean="0"/>
-              <a:t>11/26/18</a:t>
+              <a:t>12/13/18</a:t>
             </a:fld>
             <a:endParaRPr lang="en-US"/>
           </a:p>
@@ -1602,7 +1602,7 @@
           <a:p>
             <a:fld id="{93E1D4DC-B837-664D-AE6B-C6841DC5E297}" type="datetimeFigureOut">
               <a:rPr lang="en-US" smtClean="0"/>
-              <a:t>11/26/18</a:t>
+              <a:t>12/13/18</a:t>
             </a:fld>
             <a:endParaRPr lang="en-US"/>
           </a:p>
@@ -1969,7 +1969,7 @@
           <a:p>
             <a:fld id="{93E1D4DC-B837-664D-AE6B-C6841DC5E297}" type="datetimeFigureOut">
               <a:rPr lang="en-US" smtClean="0"/>
-              <a:t>11/26/18</a:t>
+              <a:t>12/13/18</a:t>
             </a:fld>
             <a:endParaRPr lang="en-US"/>
           </a:p>
@@ -2087,7 +2087,7 @@
           <a:p>
             <a:fld id="{93E1D4DC-B837-664D-AE6B-C6841DC5E297}" type="datetimeFigureOut">
               <a:rPr lang="en-US" smtClean="0"/>
-              <a:t>11/26/18</a:t>
+              <a:t>12/13/18</a:t>
             </a:fld>
             <a:endParaRPr lang="en-US"/>
           </a:p>
@@ -2182,7 +2182,7 @@
           <a:p>
             <a:fld id="{93E1D4DC-B837-664D-AE6B-C6841DC5E297}" type="datetimeFigureOut">
               <a:rPr lang="en-US" smtClean="0"/>
-              <a:t>11/26/18</a:t>
+              <a:t>12/13/18</a:t>
             </a:fld>
             <a:endParaRPr lang="en-US"/>
           </a:p>
@@ -2459,7 +2459,7 @@
           <a:p>
             <a:fld id="{93E1D4DC-B837-664D-AE6B-C6841DC5E297}" type="datetimeFigureOut">
               <a:rPr lang="en-US" smtClean="0"/>
-              <a:t>11/26/18</a:t>
+              <a:t>12/13/18</a:t>
             </a:fld>
             <a:endParaRPr lang="en-US"/>
           </a:p>
@@ -2716,7 +2716,7 @@
           <a:p>
             <a:fld id="{93E1D4DC-B837-664D-AE6B-C6841DC5E297}" type="datetimeFigureOut">
               <a:rPr lang="en-US" smtClean="0"/>
-              <a:t>11/26/18</a:t>
+              <a:t>12/13/18</a:t>
             </a:fld>
             <a:endParaRPr lang="en-US"/>
           </a:p>
@@ -2929,7 +2929,7 @@
           <a:p>
             <a:fld id="{93E1D4DC-B837-664D-AE6B-C6841DC5E297}" type="datetimeFigureOut">
               <a:rPr lang="en-US" smtClean="0"/>
-              <a:t>11/26/18</a:t>
+              <a:t>12/13/18</a:t>
             </a:fld>
             <a:endParaRPr lang="en-US"/>
           </a:p>
@@ -3759,6 +3759,41 @@
           <a:p>
             <a:pPr algn="ctr"/>
             <a:endParaRPr lang="en-US" dirty="0"/>
+          </a:p>
+        </p:txBody>
+      </p:sp>
+      <p:sp>
+        <p:nvSpPr>
+          <p:cNvPr id="2" name="TextBox 1">
+            <a:extLst>
+              <a:ext uri="{FF2B5EF4-FFF2-40B4-BE49-F238E27FC236}">
+                <a16:creationId xmlns:a16="http://schemas.microsoft.com/office/drawing/2014/main" id="{E3E6D57B-BE52-0240-AC63-31DD148B5C37}"/>
+              </a:ext>
+            </a:extLst>
+          </p:cNvPr>
+          <p:cNvSpPr txBox="1"/>
+          <p:nvPr/>
+        </p:nvSpPr>
+        <p:spPr>
+          <a:xfrm rot="16200000">
+            <a:off x="298347" y="1338398"/>
+            <a:ext cx="1654107" cy="307777"/>
+          </a:xfrm>
+          <a:prstGeom prst="rect">
+            <a:avLst/>
+          </a:prstGeom>
+          <a:noFill/>
+        </p:spPr>
+        <p:txBody>
+          <a:bodyPr wrap="none" rtlCol="0">
+            <a:spAutoFit/>
+          </a:bodyPr>
+          <a:lstStyle/>
+          <a:p>
+            <a:r>
+              <a:rPr lang="en-US" sz="1400" dirty="0"/>
+              <a:t>Number of features</a:t>
+            </a:r>
           </a:p>
         </p:txBody>
       </p:sp>
